--- a/paper/graphics/roman_fov.pptx
+++ b/paper/graphics/roman_fov.pptx
@@ -104,6 +104,11 @@
       </a:defRPr>
     </a:lvl9pPr>
   </p:defaultTextStyle>
+  <p:extLst>
+    <p:ext uri="{EFAFB233-063F-42B5-8137-9DF3F51BA10A}">
+      <p15:sldGuideLst xmlns:p15="http://schemas.microsoft.com/office/powerpoint/2012/main"/>
+    </p:ext>
+  </p:extLst>
 </p:presentation>
 </file>
 
@@ -3337,7 +3342,7 @@
         </p:nvSpPr>
         <p:spPr>
           <a:xfrm>
-            <a:off x="8873706" y="4093233"/>
+            <a:off x="8873706" y="3929333"/>
             <a:ext cx="1371600" cy="1371600"/>
           </a:xfrm>
           <a:prstGeom prst="rect">
@@ -3372,12 +3377,12 @@
           <a:p>
             <a:pPr algn="ctr"/>
             <a:r>
-              <a:rPr lang="en-US" sz="6000" dirty="0">
+              <a:rPr lang="en-US" sz="3600" dirty="0">
                 <a:solidFill>
                   <a:schemeClr val="tx1"/>
                 </a:solidFill>
               </a:rPr>
-              <a:t>9</a:t>
+              <a:t>SCA18</a:t>
             </a:r>
           </a:p>
         </p:txBody>
@@ -3398,7 +3403,7 @@
         </p:nvSpPr>
         <p:spPr>
           <a:xfrm>
-            <a:off x="8873706" y="2658374"/>
+            <a:off x="8873706" y="2494474"/>
             <a:ext cx="1371600" cy="1371600"/>
           </a:xfrm>
           <a:prstGeom prst="rect">
@@ -3433,12 +3438,12 @@
           <a:p>
             <a:pPr algn="ctr"/>
             <a:r>
-              <a:rPr lang="en-US" sz="6000" dirty="0">
+              <a:rPr lang="en-US" sz="3600" dirty="0">
                 <a:solidFill>
                   <a:schemeClr val="tx1"/>
                 </a:solidFill>
               </a:rPr>
-              <a:t>8</a:t>
+              <a:t>SCA17</a:t>
             </a:r>
           </a:p>
         </p:txBody>
@@ -3459,7 +3464,7 @@
         </p:nvSpPr>
         <p:spPr>
           <a:xfrm>
-            <a:off x="8873706" y="1138687"/>
+            <a:off x="8873706" y="974787"/>
             <a:ext cx="1371600" cy="1371600"/>
           </a:xfrm>
           <a:prstGeom prst="rect">
@@ -3494,12 +3499,12 @@
           <a:p>
             <a:pPr algn="ctr"/>
             <a:r>
-              <a:rPr lang="en-US" sz="6000" dirty="0">
+              <a:rPr lang="en-US" sz="3600" dirty="0">
                 <a:solidFill>
                   <a:schemeClr val="tx1"/>
                 </a:solidFill>
               </a:rPr>
-              <a:t>7</a:t>
+              <a:t>SCA16</a:t>
             </a:r>
           </a:p>
         </p:txBody>
@@ -3520,7 +3525,7 @@
         </p:nvSpPr>
         <p:spPr>
           <a:xfrm>
-            <a:off x="1690777" y="4093233"/>
+            <a:off x="1690777" y="3929333"/>
             <a:ext cx="1371600" cy="1371600"/>
           </a:xfrm>
           <a:prstGeom prst="rect">
@@ -3555,12 +3560,12 @@
           <a:p>
             <a:pPr algn="ctr"/>
             <a:r>
-              <a:rPr lang="en-US" sz="6000" dirty="0">
+              <a:rPr lang="en-US" sz="3600" dirty="0">
                 <a:solidFill>
                   <a:schemeClr val="tx1"/>
                 </a:solidFill>
               </a:rPr>
-              <a:t>18</a:t>
+              <a:t>SCA09</a:t>
             </a:r>
           </a:p>
         </p:txBody>
@@ -3581,7 +3586,7 @@
         </p:nvSpPr>
         <p:spPr>
           <a:xfrm>
-            <a:off x="1690777" y="2658374"/>
+            <a:off x="1690777" y="2494474"/>
             <a:ext cx="1371600" cy="1371600"/>
           </a:xfrm>
           <a:prstGeom prst="rect">
@@ -3616,12 +3621,12 @@
           <a:p>
             <a:pPr algn="ctr"/>
             <a:r>
-              <a:rPr lang="en-US" sz="6000" dirty="0">
+              <a:rPr lang="en-US" sz="3600" dirty="0">
                 <a:solidFill>
                   <a:schemeClr val="tx1"/>
                 </a:solidFill>
               </a:rPr>
-              <a:t>17</a:t>
+              <a:t>SCA08</a:t>
             </a:r>
           </a:p>
         </p:txBody>
@@ -3642,7 +3647,7 @@
         </p:nvSpPr>
         <p:spPr>
           <a:xfrm>
-            <a:off x="1690777" y="1138687"/>
+            <a:off x="1690777" y="974787"/>
             <a:ext cx="1371600" cy="1371600"/>
           </a:xfrm>
           <a:prstGeom prst="rect">
@@ -3677,12 +3682,12 @@
           <a:p>
             <a:pPr algn="ctr"/>
             <a:r>
-              <a:rPr lang="en-US" sz="6000" dirty="0">
+              <a:rPr lang="en-US" sz="3600" dirty="0">
                 <a:solidFill>
                   <a:schemeClr val="tx1"/>
                 </a:solidFill>
               </a:rPr>
-              <a:t>16</a:t>
+              <a:t>SCA07</a:t>
             </a:r>
           </a:p>
         </p:txBody>
@@ -3703,7 +3708,7 @@
         </p:nvSpPr>
         <p:spPr>
           <a:xfrm>
-            <a:off x="7438845" y="4779033"/>
+            <a:off x="7438845" y="4615133"/>
             <a:ext cx="1371600" cy="1371600"/>
           </a:xfrm>
           <a:prstGeom prst="rect">
@@ -3738,12 +3743,12 @@
           <a:p>
             <a:pPr algn="ctr"/>
             <a:r>
-              <a:rPr lang="en-US" sz="6000" dirty="0">
+              <a:rPr lang="en-US" sz="3600" dirty="0">
                 <a:solidFill>
                   <a:schemeClr val="tx1"/>
                 </a:solidFill>
               </a:rPr>
-              <a:t>6</a:t>
+              <a:t>SCA15</a:t>
             </a:r>
           </a:p>
         </p:txBody>
@@ -3764,7 +3769,7 @@
         </p:nvSpPr>
         <p:spPr>
           <a:xfrm>
-            <a:off x="7438845" y="3344174"/>
+            <a:off x="7438845" y="3180274"/>
             <a:ext cx="1371600" cy="1371600"/>
           </a:xfrm>
           <a:prstGeom prst="rect">
@@ -3799,12 +3804,12 @@
           <a:p>
             <a:pPr algn="ctr"/>
             <a:r>
-              <a:rPr lang="en-US" sz="6000" dirty="0">
+              <a:rPr lang="en-US" sz="3600" dirty="0">
                 <a:solidFill>
                   <a:schemeClr val="tx1"/>
                 </a:solidFill>
               </a:rPr>
-              <a:t>5</a:t>
+              <a:t>SCA14</a:t>
             </a:r>
           </a:p>
         </p:txBody>
@@ -3825,7 +3830,7 @@
         </p:nvSpPr>
         <p:spPr>
           <a:xfrm>
-            <a:off x="7438845" y="1824487"/>
+            <a:off x="7438845" y="1660587"/>
             <a:ext cx="1371600" cy="1371600"/>
           </a:xfrm>
           <a:prstGeom prst="rect">
@@ -3860,12 +3865,12 @@
           <a:p>
             <a:pPr algn="ctr"/>
             <a:r>
-              <a:rPr lang="en-US" sz="6000" dirty="0">
+              <a:rPr lang="en-US" sz="3600" dirty="0">
                 <a:solidFill>
                   <a:schemeClr val="tx1"/>
                 </a:solidFill>
               </a:rPr>
-              <a:t>4</a:t>
+              <a:t>SCA13</a:t>
             </a:r>
           </a:p>
         </p:txBody>
@@ -3886,7 +3891,7 @@
         </p:nvSpPr>
         <p:spPr>
           <a:xfrm>
-            <a:off x="3129950" y="4779033"/>
+            <a:off x="3129950" y="4615133"/>
             <a:ext cx="1371600" cy="1371600"/>
           </a:xfrm>
           <a:prstGeom prst="rect">
@@ -3921,12 +3926,12 @@
           <a:p>
             <a:pPr algn="ctr"/>
             <a:r>
-              <a:rPr lang="en-US" sz="6000" dirty="0">
+              <a:rPr lang="en-US" sz="3600" dirty="0">
                 <a:solidFill>
                   <a:schemeClr val="tx1"/>
                 </a:solidFill>
               </a:rPr>
-              <a:t>15</a:t>
+              <a:t>SCA06</a:t>
             </a:r>
           </a:p>
         </p:txBody>
@@ -3947,7 +3952,7 @@
         </p:nvSpPr>
         <p:spPr>
           <a:xfrm>
-            <a:off x="3129950" y="3344174"/>
+            <a:off x="3129950" y="3180274"/>
             <a:ext cx="1371600" cy="1371600"/>
           </a:xfrm>
           <a:prstGeom prst="rect">
@@ -3982,12 +3987,12 @@
           <a:p>
             <a:pPr algn="ctr"/>
             <a:r>
-              <a:rPr lang="en-US" sz="6000" dirty="0">
+              <a:rPr lang="en-US" sz="3600" dirty="0">
                 <a:solidFill>
                   <a:schemeClr val="tx1"/>
                 </a:solidFill>
               </a:rPr>
-              <a:t>14</a:t>
+              <a:t>SCA05</a:t>
             </a:r>
           </a:p>
         </p:txBody>
@@ -4008,7 +4013,7 @@
         </p:nvSpPr>
         <p:spPr>
           <a:xfrm>
-            <a:off x="3129950" y="1824487"/>
+            <a:off x="3129950" y="1660587"/>
             <a:ext cx="1371600" cy="1371600"/>
           </a:xfrm>
           <a:prstGeom prst="rect">
@@ -4043,12 +4048,12 @@
           <a:p>
             <a:pPr algn="ctr"/>
             <a:r>
-              <a:rPr lang="en-US" sz="6000" dirty="0">
+              <a:rPr lang="en-US" sz="3600" dirty="0">
                 <a:solidFill>
                   <a:schemeClr val="tx1"/>
                 </a:solidFill>
               </a:rPr>
-              <a:t>13</a:t>
+              <a:t>SCA04</a:t>
             </a:r>
           </a:p>
         </p:txBody>
@@ -4069,7 +4074,7 @@
         </p:nvSpPr>
         <p:spPr>
           <a:xfrm>
-            <a:off x="4564811" y="5011946"/>
+            <a:off x="4564811" y="4848046"/>
             <a:ext cx="1371600" cy="1371600"/>
           </a:xfrm>
           <a:prstGeom prst="rect">
@@ -4104,12 +4109,12 @@
           <a:p>
             <a:pPr algn="ctr"/>
             <a:r>
-              <a:rPr lang="en-US" sz="6000" dirty="0">
+              <a:rPr lang="en-US" sz="3600" dirty="0">
                 <a:solidFill>
                   <a:schemeClr val="tx1"/>
                 </a:solidFill>
               </a:rPr>
-              <a:t>12</a:t>
+              <a:t>SCA03</a:t>
             </a:r>
           </a:p>
         </p:txBody>
@@ -4130,7 +4135,7 @@
         </p:nvSpPr>
         <p:spPr>
           <a:xfrm>
-            <a:off x="4564811" y="3577087"/>
+            <a:off x="4564811" y="3413187"/>
             <a:ext cx="1371600" cy="1371600"/>
           </a:xfrm>
           <a:prstGeom prst="rect">
@@ -4165,12 +4170,12 @@
           <a:p>
             <a:pPr algn="ctr"/>
             <a:r>
-              <a:rPr lang="en-US" sz="6000" dirty="0">
+              <a:rPr lang="en-US" sz="3600" dirty="0">
                 <a:solidFill>
                   <a:schemeClr val="tx1"/>
                 </a:solidFill>
               </a:rPr>
-              <a:t>11</a:t>
+              <a:t>SCA02</a:t>
             </a:r>
           </a:p>
         </p:txBody>
@@ -4191,7 +4196,7 @@
         </p:nvSpPr>
         <p:spPr>
           <a:xfrm>
-            <a:off x="4564811" y="2057400"/>
+            <a:off x="4564811" y="1893500"/>
             <a:ext cx="1371600" cy="1371600"/>
           </a:xfrm>
           <a:prstGeom prst="rect">
@@ -4226,12 +4231,12 @@
           <a:p>
             <a:pPr algn="ctr"/>
             <a:r>
-              <a:rPr lang="en-US" sz="6000" dirty="0">
+              <a:rPr lang="en-US" sz="3600" dirty="0">
                 <a:solidFill>
                   <a:schemeClr val="tx1"/>
                 </a:solidFill>
               </a:rPr>
-              <a:t>10</a:t>
+              <a:t>SCA01</a:t>
             </a:r>
           </a:p>
         </p:txBody>
@@ -4252,7 +4257,7 @@
         </p:nvSpPr>
         <p:spPr>
           <a:xfrm>
-            <a:off x="6001828" y="5011946"/>
+            <a:off x="6001828" y="4848046"/>
             <a:ext cx="1371600" cy="1371600"/>
           </a:xfrm>
           <a:prstGeom prst="rect">
@@ -4287,12 +4292,12 @@
           <a:p>
             <a:pPr algn="ctr"/>
             <a:r>
-              <a:rPr lang="en-US" sz="6000" dirty="0">
+              <a:rPr lang="en-US" sz="3600" dirty="0">
                 <a:solidFill>
                   <a:schemeClr val="tx1"/>
                 </a:solidFill>
               </a:rPr>
-              <a:t>3</a:t>
+              <a:t>SCA12</a:t>
             </a:r>
           </a:p>
         </p:txBody>
@@ -4313,7 +4318,7 @@
         </p:nvSpPr>
         <p:spPr>
           <a:xfrm>
-            <a:off x="6001828" y="3577087"/>
+            <a:off x="6001828" y="3413187"/>
             <a:ext cx="1371600" cy="1371600"/>
           </a:xfrm>
           <a:prstGeom prst="rect">
@@ -4348,12 +4353,12 @@
           <a:p>
             <a:pPr algn="ctr"/>
             <a:r>
-              <a:rPr lang="en-US" sz="6000" dirty="0">
+              <a:rPr lang="en-US" sz="3600" dirty="0">
                 <a:solidFill>
                   <a:schemeClr val="tx1"/>
                 </a:solidFill>
               </a:rPr>
-              <a:t>2</a:t>
+              <a:t>SCA11</a:t>
             </a:r>
           </a:p>
         </p:txBody>
@@ -4374,7 +4379,7 @@
         </p:nvSpPr>
         <p:spPr>
           <a:xfrm>
-            <a:off x="6001828" y="2057400"/>
+            <a:off x="6001828" y="1893500"/>
             <a:ext cx="1371600" cy="1371600"/>
           </a:xfrm>
           <a:prstGeom prst="rect">
@@ -4409,12 +4414,12 @@
           <a:p>
             <a:pPr algn="ctr"/>
             <a:r>
-              <a:rPr lang="en-US" sz="6000" dirty="0">
+              <a:rPr lang="en-US" sz="3600" dirty="0">
                 <a:solidFill>
                   <a:schemeClr val="tx1"/>
                 </a:solidFill>
               </a:rPr>
-              <a:t>1</a:t>
+              <a:t>SCA10</a:t>
             </a:r>
           </a:p>
         </p:txBody>

--- a/paper/graphics/roman_fov.pptx
+++ b/paper/graphics/roman_fov.pptx
@@ -6,6 +6,8 @@
   </p:sldMasterIdLst>
   <p:sldIdLst>
     <p:sldId id="256" r:id="rId2"/>
+    <p:sldId id="257" r:id="rId3"/>
+    <p:sldId id="258" r:id="rId4"/>
   </p:sldIdLst>
   <p:sldSz cx="12192000" cy="6858000"/>
   <p:notesSz cx="6858000" cy="9144000"/>
@@ -259,7 +261,7 @@
           <a:p>
             <a:fld id="{0BABE5B4-7A23-8B46-A908-44B4384204E4}" type="datetimeFigureOut">
               <a:rPr lang="en-US" smtClean="0"/>
-              <a:t>1/3/24</a:t>
+              <a:t>3/18/24</a:t>
             </a:fld>
             <a:endParaRPr lang="en-US"/>
           </a:p>
@@ -457,7 +459,7 @@
           <a:p>
             <a:fld id="{0BABE5B4-7A23-8B46-A908-44B4384204E4}" type="datetimeFigureOut">
               <a:rPr lang="en-US" smtClean="0"/>
-              <a:t>1/3/24</a:t>
+              <a:t>3/18/24</a:t>
             </a:fld>
             <a:endParaRPr lang="en-US"/>
           </a:p>
@@ -665,7 +667,7 @@
           <a:p>
             <a:fld id="{0BABE5B4-7A23-8B46-A908-44B4384204E4}" type="datetimeFigureOut">
               <a:rPr lang="en-US" smtClean="0"/>
-              <a:t>1/3/24</a:t>
+              <a:t>3/18/24</a:t>
             </a:fld>
             <a:endParaRPr lang="en-US"/>
           </a:p>
@@ -863,7 +865,7 @@
           <a:p>
             <a:fld id="{0BABE5B4-7A23-8B46-A908-44B4384204E4}" type="datetimeFigureOut">
               <a:rPr lang="en-US" smtClean="0"/>
-              <a:t>1/3/24</a:t>
+              <a:t>3/18/24</a:t>
             </a:fld>
             <a:endParaRPr lang="en-US"/>
           </a:p>
@@ -1138,7 +1140,7 @@
           <a:p>
             <a:fld id="{0BABE5B4-7A23-8B46-A908-44B4384204E4}" type="datetimeFigureOut">
               <a:rPr lang="en-US" smtClean="0"/>
-              <a:t>1/3/24</a:t>
+              <a:t>3/18/24</a:t>
             </a:fld>
             <a:endParaRPr lang="en-US"/>
           </a:p>
@@ -1403,7 +1405,7 @@
           <a:p>
             <a:fld id="{0BABE5B4-7A23-8B46-A908-44B4384204E4}" type="datetimeFigureOut">
               <a:rPr lang="en-US" smtClean="0"/>
-              <a:t>1/3/24</a:t>
+              <a:t>3/18/24</a:t>
             </a:fld>
             <a:endParaRPr lang="en-US"/>
           </a:p>
@@ -1815,7 +1817,7 @@
           <a:p>
             <a:fld id="{0BABE5B4-7A23-8B46-A908-44B4384204E4}" type="datetimeFigureOut">
               <a:rPr lang="en-US" smtClean="0"/>
-              <a:t>1/3/24</a:t>
+              <a:t>3/18/24</a:t>
             </a:fld>
             <a:endParaRPr lang="en-US"/>
           </a:p>
@@ -1956,7 +1958,7 @@
           <a:p>
             <a:fld id="{0BABE5B4-7A23-8B46-A908-44B4384204E4}" type="datetimeFigureOut">
               <a:rPr lang="en-US" smtClean="0"/>
-              <a:t>1/3/24</a:t>
+              <a:t>3/18/24</a:t>
             </a:fld>
             <a:endParaRPr lang="en-US"/>
           </a:p>
@@ -2069,7 +2071,7 @@
           <a:p>
             <a:fld id="{0BABE5B4-7A23-8B46-A908-44B4384204E4}" type="datetimeFigureOut">
               <a:rPr lang="en-US" smtClean="0"/>
-              <a:t>1/3/24</a:t>
+              <a:t>3/18/24</a:t>
             </a:fld>
             <a:endParaRPr lang="en-US"/>
           </a:p>
@@ -2380,7 +2382,7 @@
           <a:p>
             <a:fld id="{0BABE5B4-7A23-8B46-A908-44B4384204E4}" type="datetimeFigureOut">
               <a:rPr lang="en-US" smtClean="0"/>
-              <a:t>1/3/24</a:t>
+              <a:t>3/18/24</a:t>
             </a:fld>
             <a:endParaRPr lang="en-US"/>
           </a:p>
@@ -2668,7 +2670,7 @@
           <a:p>
             <a:fld id="{0BABE5B4-7A23-8B46-A908-44B4384204E4}" type="datetimeFigureOut">
               <a:rPr lang="en-US" smtClean="0"/>
-              <a:t>1/3/24</a:t>
+              <a:t>3/18/24</a:t>
             </a:fld>
             <a:endParaRPr lang="en-US"/>
           </a:p>
@@ -2909,7 +2911,7 @@
           <a:p>
             <a:fld id="{0BABE5B4-7A23-8B46-A908-44B4384204E4}" type="datetimeFigureOut">
               <a:rPr lang="en-US" smtClean="0"/>
-              <a:t>1/3/24</a:t>
+              <a:t>3/18/24</a:t>
             </a:fld>
             <a:endParaRPr lang="en-US"/>
           </a:p>
@@ -3341,14 +3343,26 @@
           <p:nvPr/>
         </p:nvSpPr>
         <p:spPr>
-          <a:xfrm>
+          <a:xfrm rot="10800000">
             <a:off x="8873706" y="3929333"/>
             <a:ext cx="1371600" cy="1371600"/>
           </a:xfrm>
           <a:prstGeom prst="rect">
             <a:avLst/>
           </a:prstGeom>
-          <a:noFill/>
+          <a:blipFill dpi="0" rotWithShape="1">
+            <a:blip r:embed="rId2">
+              <a:extLst>
+                <a:ext uri="{28A0092B-C50C-407E-A947-70E740481C1C}">
+                  <a14:useLocalDpi xmlns:a14="http://schemas.microsoft.com/office/drawing/2010/main" val="0"/>
+                </a:ext>
+              </a:extLst>
+            </a:blip>
+            <a:srcRect/>
+            <a:stretch>
+              <a:fillRect/>
+            </a:stretch>
+          </a:blipFill>
           <a:ln w="19050">
             <a:solidFill>
               <a:schemeClr val="tx1"/>
@@ -3376,14 +3390,11 @@
           <a:lstStyle/>
           <a:p>
             <a:pPr algn="ctr"/>
-            <a:r>
-              <a:rPr lang="en-US" sz="3600" dirty="0">
-                <a:solidFill>
-                  <a:schemeClr val="tx1"/>
-                </a:solidFill>
-              </a:rPr>
-              <a:t>SCA18</a:t>
-            </a:r>
+            <a:endParaRPr lang="en-US" sz="3600" dirty="0">
+              <a:solidFill>
+                <a:schemeClr val="tx1"/>
+              </a:solidFill>
+            </a:endParaRPr>
           </a:p>
         </p:txBody>
       </p:sp>
@@ -3402,14 +3413,26 @@
           <p:nvPr/>
         </p:nvSpPr>
         <p:spPr>
-          <a:xfrm>
+          <a:xfrm rot="10800000">
             <a:off x="8873706" y="2494474"/>
             <a:ext cx="1371600" cy="1371600"/>
           </a:xfrm>
           <a:prstGeom prst="rect">
             <a:avLst/>
           </a:prstGeom>
-          <a:noFill/>
+          <a:blipFill dpi="0" rotWithShape="1">
+            <a:blip r:embed="rId3">
+              <a:extLst>
+                <a:ext uri="{28A0092B-C50C-407E-A947-70E740481C1C}">
+                  <a14:useLocalDpi xmlns:a14="http://schemas.microsoft.com/office/drawing/2010/main" val="0"/>
+                </a:ext>
+              </a:extLst>
+            </a:blip>
+            <a:srcRect/>
+            <a:stretch>
+              <a:fillRect/>
+            </a:stretch>
+          </a:blipFill>
           <a:ln w="19050">
             <a:solidFill>
               <a:schemeClr val="tx1"/>
@@ -3437,14 +3460,11 @@
           <a:lstStyle/>
           <a:p>
             <a:pPr algn="ctr"/>
-            <a:r>
-              <a:rPr lang="en-US" sz="3600" dirty="0">
-                <a:solidFill>
-                  <a:schemeClr val="tx1"/>
-                </a:solidFill>
-              </a:rPr>
-              <a:t>SCA17</a:t>
-            </a:r>
+            <a:endParaRPr lang="en-US" sz="3600" dirty="0">
+              <a:solidFill>
+                <a:schemeClr val="tx1"/>
+              </a:solidFill>
+            </a:endParaRPr>
           </a:p>
         </p:txBody>
       </p:sp>
@@ -3463,14 +3483,26 @@
           <p:nvPr/>
         </p:nvSpPr>
         <p:spPr>
-          <a:xfrm>
+          <a:xfrm rot="10800000">
             <a:off x="8873706" y="974787"/>
             <a:ext cx="1371600" cy="1371600"/>
           </a:xfrm>
           <a:prstGeom prst="rect">
             <a:avLst/>
           </a:prstGeom>
-          <a:noFill/>
+          <a:blipFill dpi="0" rotWithShape="1">
+            <a:blip r:embed="rId4">
+              <a:extLst>
+                <a:ext uri="{28A0092B-C50C-407E-A947-70E740481C1C}">
+                  <a14:useLocalDpi xmlns:a14="http://schemas.microsoft.com/office/drawing/2010/main" val="0"/>
+                </a:ext>
+              </a:extLst>
+            </a:blip>
+            <a:srcRect/>
+            <a:stretch>
+              <a:fillRect/>
+            </a:stretch>
+          </a:blipFill>
           <a:ln w="19050">
             <a:solidFill>
               <a:schemeClr val="tx1"/>
@@ -3498,14 +3530,11 @@
           <a:lstStyle/>
           <a:p>
             <a:pPr algn="ctr"/>
-            <a:r>
-              <a:rPr lang="en-US" sz="3600" dirty="0">
-                <a:solidFill>
-                  <a:schemeClr val="tx1"/>
-                </a:solidFill>
-              </a:rPr>
-              <a:t>SCA16</a:t>
-            </a:r>
+            <a:endParaRPr lang="en-US" sz="3600" dirty="0">
+              <a:solidFill>
+                <a:schemeClr val="tx1"/>
+              </a:solidFill>
+            </a:endParaRPr>
           </a:p>
         </p:txBody>
       </p:sp>
@@ -3524,14 +3553,26 @@
           <p:nvPr/>
         </p:nvSpPr>
         <p:spPr>
-          <a:xfrm>
+          <a:xfrm rot="10800000">
             <a:off x="1690777" y="3929333"/>
             <a:ext cx="1371600" cy="1371600"/>
           </a:xfrm>
           <a:prstGeom prst="rect">
             <a:avLst/>
           </a:prstGeom>
-          <a:noFill/>
+          <a:blipFill dpi="0" rotWithShape="1">
+            <a:blip r:embed="rId5">
+              <a:extLst>
+                <a:ext uri="{28A0092B-C50C-407E-A947-70E740481C1C}">
+                  <a14:useLocalDpi xmlns:a14="http://schemas.microsoft.com/office/drawing/2010/main" val="0"/>
+                </a:ext>
+              </a:extLst>
+            </a:blip>
+            <a:srcRect/>
+            <a:stretch>
+              <a:fillRect/>
+            </a:stretch>
+          </a:blipFill>
           <a:ln w="19050">
             <a:solidFill>
               <a:schemeClr val="tx1"/>
@@ -3559,14 +3600,11 @@
           <a:lstStyle/>
           <a:p>
             <a:pPr algn="ctr"/>
-            <a:r>
-              <a:rPr lang="en-US" sz="3600" dirty="0">
-                <a:solidFill>
-                  <a:schemeClr val="tx1"/>
-                </a:solidFill>
-              </a:rPr>
-              <a:t>SCA09</a:t>
-            </a:r>
+            <a:endParaRPr lang="en-US" sz="3600" dirty="0">
+              <a:solidFill>
+                <a:schemeClr val="tx1"/>
+              </a:solidFill>
+            </a:endParaRPr>
           </a:p>
         </p:txBody>
       </p:sp>
@@ -3585,14 +3623,26 @@
           <p:nvPr/>
         </p:nvSpPr>
         <p:spPr>
-          <a:xfrm>
+          <a:xfrm rot="10800000">
             <a:off x="1690777" y="2494474"/>
             <a:ext cx="1371600" cy="1371600"/>
           </a:xfrm>
           <a:prstGeom prst="rect">
             <a:avLst/>
           </a:prstGeom>
-          <a:noFill/>
+          <a:blipFill dpi="0" rotWithShape="1">
+            <a:blip r:embed="rId6">
+              <a:extLst>
+                <a:ext uri="{28A0092B-C50C-407E-A947-70E740481C1C}">
+                  <a14:useLocalDpi xmlns:a14="http://schemas.microsoft.com/office/drawing/2010/main" val="0"/>
+                </a:ext>
+              </a:extLst>
+            </a:blip>
+            <a:srcRect/>
+            <a:stretch>
+              <a:fillRect/>
+            </a:stretch>
+          </a:blipFill>
           <a:ln w="19050">
             <a:solidFill>
               <a:schemeClr val="tx1"/>
@@ -3620,14 +3670,11 @@
           <a:lstStyle/>
           <a:p>
             <a:pPr algn="ctr"/>
-            <a:r>
-              <a:rPr lang="en-US" sz="3600" dirty="0">
-                <a:solidFill>
-                  <a:schemeClr val="tx1"/>
-                </a:solidFill>
-              </a:rPr>
-              <a:t>SCA08</a:t>
-            </a:r>
+            <a:endParaRPr lang="en-US" sz="3600" dirty="0">
+              <a:solidFill>
+                <a:schemeClr val="tx1"/>
+              </a:solidFill>
+            </a:endParaRPr>
           </a:p>
         </p:txBody>
       </p:sp>
@@ -3646,14 +3693,26 @@
           <p:nvPr/>
         </p:nvSpPr>
         <p:spPr>
-          <a:xfrm>
+          <a:xfrm rot="10800000">
             <a:off x="1690777" y="974787"/>
             <a:ext cx="1371600" cy="1371600"/>
           </a:xfrm>
           <a:prstGeom prst="rect">
             <a:avLst/>
           </a:prstGeom>
-          <a:noFill/>
+          <a:blipFill dpi="0" rotWithShape="1">
+            <a:blip r:embed="rId7">
+              <a:extLst>
+                <a:ext uri="{28A0092B-C50C-407E-A947-70E740481C1C}">
+                  <a14:useLocalDpi xmlns:a14="http://schemas.microsoft.com/office/drawing/2010/main" val="0"/>
+                </a:ext>
+              </a:extLst>
+            </a:blip>
+            <a:srcRect/>
+            <a:stretch>
+              <a:fillRect/>
+            </a:stretch>
+          </a:blipFill>
           <a:ln w="19050">
             <a:solidFill>
               <a:schemeClr val="tx1"/>
@@ -3681,14 +3740,11 @@
           <a:lstStyle/>
           <a:p>
             <a:pPr algn="ctr"/>
-            <a:r>
-              <a:rPr lang="en-US" sz="3600" dirty="0">
-                <a:solidFill>
-                  <a:schemeClr val="tx1"/>
-                </a:solidFill>
-              </a:rPr>
-              <a:t>SCA07</a:t>
-            </a:r>
+            <a:endParaRPr lang="en-US" sz="3600" dirty="0">
+              <a:solidFill>
+                <a:schemeClr val="tx1"/>
+              </a:solidFill>
+            </a:endParaRPr>
           </a:p>
         </p:txBody>
       </p:sp>
@@ -3707,14 +3763,19 @@
           <p:nvPr/>
         </p:nvSpPr>
         <p:spPr>
-          <a:xfrm>
+          <a:xfrm rot="10800000">
             <a:off x="7438845" y="4615133"/>
             <a:ext cx="1371600" cy="1371600"/>
           </a:xfrm>
           <a:prstGeom prst="rect">
             <a:avLst/>
           </a:prstGeom>
-          <a:noFill/>
+          <a:blipFill>
+            <a:blip r:embed="rId8"/>
+            <a:stretch>
+              <a:fillRect/>
+            </a:stretch>
+          </a:blipFill>
           <a:ln w="19050">
             <a:solidFill>
               <a:schemeClr val="tx1"/>
@@ -3742,14 +3803,11 @@
           <a:lstStyle/>
           <a:p>
             <a:pPr algn="ctr"/>
-            <a:r>
-              <a:rPr lang="en-US" sz="3600" dirty="0">
-                <a:solidFill>
-                  <a:schemeClr val="tx1"/>
-                </a:solidFill>
-              </a:rPr>
-              <a:t>SCA15</a:t>
-            </a:r>
+            <a:endParaRPr lang="en-US" sz="3600" dirty="0">
+              <a:solidFill>
+                <a:schemeClr val="tx1"/>
+              </a:solidFill>
+            </a:endParaRPr>
           </a:p>
         </p:txBody>
       </p:sp>
@@ -3768,14 +3826,26 @@
           <p:nvPr/>
         </p:nvSpPr>
         <p:spPr>
-          <a:xfrm>
+          <a:xfrm rot="10800000">
             <a:off x="7438845" y="3180274"/>
             <a:ext cx="1371600" cy="1371600"/>
           </a:xfrm>
           <a:prstGeom prst="rect">
             <a:avLst/>
           </a:prstGeom>
-          <a:noFill/>
+          <a:blipFill dpi="0" rotWithShape="1">
+            <a:blip r:embed="rId9">
+              <a:extLst>
+                <a:ext uri="{28A0092B-C50C-407E-A947-70E740481C1C}">
+                  <a14:useLocalDpi xmlns:a14="http://schemas.microsoft.com/office/drawing/2010/main" val="0"/>
+                </a:ext>
+              </a:extLst>
+            </a:blip>
+            <a:srcRect/>
+            <a:stretch>
+              <a:fillRect/>
+            </a:stretch>
+          </a:blipFill>
           <a:ln w="19050">
             <a:solidFill>
               <a:schemeClr val="tx1"/>
@@ -3803,14 +3873,11 @@
           <a:lstStyle/>
           <a:p>
             <a:pPr algn="ctr"/>
-            <a:r>
-              <a:rPr lang="en-US" sz="3600" dirty="0">
-                <a:solidFill>
-                  <a:schemeClr val="tx1"/>
-                </a:solidFill>
-              </a:rPr>
-              <a:t>SCA14</a:t>
-            </a:r>
+            <a:endParaRPr lang="en-US" sz="3600" dirty="0">
+              <a:solidFill>
+                <a:schemeClr val="tx1"/>
+              </a:solidFill>
+            </a:endParaRPr>
           </a:p>
         </p:txBody>
       </p:sp>
@@ -3829,14 +3896,26 @@
           <p:nvPr/>
         </p:nvSpPr>
         <p:spPr>
-          <a:xfrm>
+          <a:xfrm rot="10800000">
             <a:off x="7438845" y="1660587"/>
             <a:ext cx="1371600" cy="1371600"/>
           </a:xfrm>
           <a:prstGeom prst="rect">
             <a:avLst/>
           </a:prstGeom>
-          <a:noFill/>
+          <a:blipFill dpi="0" rotWithShape="1">
+            <a:blip r:embed="rId10">
+              <a:extLst>
+                <a:ext uri="{28A0092B-C50C-407E-A947-70E740481C1C}">
+                  <a14:useLocalDpi xmlns:a14="http://schemas.microsoft.com/office/drawing/2010/main" val="0"/>
+                </a:ext>
+              </a:extLst>
+            </a:blip>
+            <a:srcRect/>
+            <a:stretch>
+              <a:fillRect/>
+            </a:stretch>
+          </a:blipFill>
           <a:ln w="19050">
             <a:solidFill>
               <a:schemeClr val="tx1"/>
@@ -3864,14 +3943,11 @@
           <a:lstStyle/>
           <a:p>
             <a:pPr algn="ctr"/>
-            <a:r>
-              <a:rPr lang="en-US" sz="3600" dirty="0">
-                <a:solidFill>
-                  <a:schemeClr val="tx1"/>
-                </a:solidFill>
-              </a:rPr>
-              <a:t>SCA13</a:t>
-            </a:r>
+            <a:endParaRPr lang="en-US" sz="3600" dirty="0">
+              <a:solidFill>
+                <a:schemeClr val="tx1"/>
+              </a:solidFill>
+            </a:endParaRPr>
           </a:p>
         </p:txBody>
       </p:sp>
@@ -3890,14 +3966,26 @@
           <p:nvPr/>
         </p:nvSpPr>
         <p:spPr>
-          <a:xfrm>
+          <a:xfrm rot="10800000">
             <a:off x="3129950" y="4615133"/>
             <a:ext cx="1371600" cy="1371600"/>
           </a:xfrm>
           <a:prstGeom prst="rect">
             <a:avLst/>
           </a:prstGeom>
-          <a:noFill/>
+          <a:blipFill dpi="0" rotWithShape="1">
+            <a:blip r:embed="rId11">
+              <a:extLst>
+                <a:ext uri="{28A0092B-C50C-407E-A947-70E740481C1C}">
+                  <a14:useLocalDpi xmlns:a14="http://schemas.microsoft.com/office/drawing/2010/main" val="0"/>
+                </a:ext>
+              </a:extLst>
+            </a:blip>
+            <a:srcRect/>
+            <a:stretch>
+              <a:fillRect/>
+            </a:stretch>
+          </a:blipFill>
           <a:ln w="19050">
             <a:solidFill>
               <a:schemeClr val="tx1"/>
@@ -3925,14 +4013,11 @@
           <a:lstStyle/>
           <a:p>
             <a:pPr algn="ctr"/>
-            <a:r>
-              <a:rPr lang="en-US" sz="3600" dirty="0">
-                <a:solidFill>
-                  <a:schemeClr val="tx1"/>
-                </a:solidFill>
-              </a:rPr>
-              <a:t>SCA06</a:t>
-            </a:r>
+            <a:endParaRPr lang="en-US" sz="3600" dirty="0">
+              <a:solidFill>
+                <a:schemeClr val="tx1"/>
+              </a:solidFill>
+            </a:endParaRPr>
           </a:p>
         </p:txBody>
       </p:sp>
@@ -3951,14 +4036,26 @@
           <p:nvPr/>
         </p:nvSpPr>
         <p:spPr>
-          <a:xfrm>
+          <a:xfrm rot="10800000">
             <a:off x="3129950" y="3180274"/>
             <a:ext cx="1371600" cy="1371600"/>
           </a:xfrm>
           <a:prstGeom prst="rect">
             <a:avLst/>
           </a:prstGeom>
-          <a:noFill/>
+          <a:blipFill dpi="0" rotWithShape="1">
+            <a:blip r:embed="rId12">
+              <a:extLst>
+                <a:ext uri="{28A0092B-C50C-407E-A947-70E740481C1C}">
+                  <a14:useLocalDpi xmlns:a14="http://schemas.microsoft.com/office/drawing/2010/main" val="0"/>
+                </a:ext>
+              </a:extLst>
+            </a:blip>
+            <a:srcRect/>
+            <a:stretch>
+              <a:fillRect/>
+            </a:stretch>
+          </a:blipFill>
           <a:ln w="19050">
             <a:solidFill>
               <a:schemeClr val="tx1"/>
@@ -3986,14 +4083,11 @@
           <a:lstStyle/>
           <a:p>
             <a:pPr algn="ctr"/>
-            <a:r>
-              <a:rPr lang="en-US" sz="3600" dirty="0">
-                <a:solidFill>
-                  <a:schemeClr val="tx1"/>
-                </a:solidFill>
-              </a:rPr>
-              <a:t>SCA05</a:t>
-            </a:r>
+            <a:endParaRPr lang="en-US" sz="3600" dirty="0">
+              <a:solidFill>
+                <a:schemeClr val="tx1"/>
+              </a:solidFill>
+            </a:endParaRPr>
           </a:p>
         </p:txBody>
       </p:sp>
@@ -4012,14 +4106,26 @@
           <p:nvPr/>
         </p:nvSpPr>
         <p:spPr>
-          <a:xfrm>
+          <a:xfrm rot="10800000">
             <a:off x="3129950" y="1660587"/>
             <a:ext cx="1371600" cy="1371600"/>
           </a:xfrm>
           <a:prstGeom prst="rect">
             <a:avLst/>
           </a:prstGeom>
-          <a:noFill/>
+          <a:blipFill dpi="0" rotWithShape="1">
+            <a:blip r:embed="rId13">
+              <a:extLst>
+                <a:ext uri="{28A0092B-C50C-407E-A947-70E740481C1C}">
+                  <a14:useLocalDpi xmlns:a14="http://schemas.microsoft.com/office/drawing/2010/main" val="0"/>
+                </a:ext>
+              </a:extLst>
+            </a:blip>
+            <a:srcRect/>
+            <a:stretch>
+              <a:fillRect/>
+            </a:stretch>
+          </a:blipFill>
           <a:ln w="19050">
             <a:solidFill>
               <a:schemeClr val="tx1"/>
@@ -4047,14 +4153,11 @@
           <a:lstStyle/>
           <a:p>
             <a:pPr algn="ctr"/>
-            <a:r>
-              <a:rPr lang="en-US" sz="3600" dirty="0">
-                <a:solidFill>
-                  <a:schemeClr val="tx1"/>
-                </a:solidFill>
-              </a:rPr>
-              <a:t>SCA04</a:t>
-            </a:r>
+            <a:endParaRPr lang="en-US" sz="3600" dirty="0">
+              <a:solidFill>
+                <a:schemeClr val="tx1"/>
+              </a:solidFill>
+            </a:endParaRPr>
           </a:p>
         </p:txBody>
       </p:sp>
@@ -4073,14 +4176,26 @@
           <p:nvPr/>
         </p:nvSpPr>
         <p:spPr>
-          <a:xfrm>
-            <a:off x="4564811" y="4848046"/>
+          <a:xfrm rot="10800000">
+            <a:off x="4566967" y="4908431"/>
             <a:ext cx="1371600" cy="1371600"/>
           </a:xfrm>
           <a:prstGeom prst="rect">
             <a:avLst/>
           </a:prstGeom>
-          <a:noFill/>
+          <a:blipFill dpi="0" rotWithShape="1">
+            <a:blip r:embed="rId14">
+              <a:extLst>
+                <a:ext uri="{28A0092B-C50C-407E-A947-70E740481C1C}">
+                  <a14:useLocalDpi xmlns:a14="http://schemas.microsoft.com/office/drawing/2010/main" val="0"/>
+                </a:ext>
+              </a:extLst>
+            </a:blip>
+            <a:srcRect/>
+            <a:stretch>
+              <a:fillRect/>
+            </a:stretch>
+          </a:blipFill>
           <a:ln w="19050">
             <a:solidFill>
               <a:schemeClr val="tx1"/>
@@ -4108,14 +4223,11 @@
           <a:lstStyle/>
           <a:p>
             <a:pPr algn="ctr"/>
-            <a:r>
-              <a:rPr lang="en-US" sz="3600" dirty="0">
-                <a:solidFill>
-                  <a:schemeClr val="tx1"/>
-                </a:solidFill>
-              </a:rPr>
-              <a:t>SCA03</a:t>
-            </a:r>
+            <a:endParaRPr lang="en-US" sz="3600" dirty="0">
+              <a:solidFill>
+                <a:schemeClr val="tx1"/>
+              </a:solidFill>
+            </a:endParaRPr>
           </a:p>
         </p:txBody>
       </p:sp>
@@ -4134,14 +4246,26 @@
           <p:nvPr/>
         </p:nvSpPr>
         <p:spPr>
-          <a:xfrm>
-            <a:off x="4564811" y="3413187"/>
+          <a:xfrm rot="10800000">
+            <a:off x="4566967" y="3473572"/>
             <a:ext cx="1371600" cy="1371600"/>
           </a:xfrm>
           <a:prstGeom prst="rect">
             <a:avLst/>
           </a:prstGeom>
-          <a:noFill/>
+          <a:blipFill dpi="0" rotWithShape="1">
+            <a:blip r:embed="rId15">
+              <a:extLst>
+                <a:ext uri="{28A0092B-C50C-407E-A947-70E740481C1C}">
+                  <a14:useLocalDpi xmlns:a14="http://schemas.microsoft.com/office/drawing/2010/main" val="0"/>
+                </a:ext>
+              </a:extLst>
+            </a:blip>
+            <a:srcRect/>
+            <a:stretch>
+              <a:fillRect/>
+            </a:stretch>
+          </a:blipFill>
           <a:ln w="19050">
             <a:solidFill>
               <a:schemeClr val="tx1"/>
@@ -4169,14 +4293,11 @@
           <a:lstStyle/>
           <a:p>
             <a:pPr algn="ctr"/>
-            <a:r>
-              <a:rPr lang="en-US" sz="3600" dirty="0">
-                <a:solidFill>
-                  <a:schemeClr val="tx1"/>
-                </a:solidFill>
-              </a:rPr>
-              <a:t>SCA02</a:t>
-            </a:r>
+            <a:endParaRPr lang="en-US" sz="3600" dirty="0">
+              <a:solidFill>
+                <a:schemeClr val="tx1"/>
+              </a:solidFill>
+            </a:endParaRPr>
           </a:p>
         </p:txBody>
       </p:sp>
@@ -4195,14 +4316,26 @@
           <p:nvPr/>
         </p:nvSpPr>
         <p:spPr>
-          <a:xfrm>
-            <a:off x="4564811" y="1893500"/>
+          <a:xfrm rot="10800000">
+            <a:off x="4566967" y="1953885"/>
             <a:ext cx="1371600" cy="1371600"/>
           </a:xfrm>
           <a:prstGeom prst="rect">
             <a:avLst/>
           </a:prstGeom>
-          <a:noFill/>
+          <a:blipFill dpi="0" rotWithShape="1">
+            <a:blip r:embed="rId16">
+              <a:extLst>
+                <a:ext uri="{28A0092B-C50C-407E-A947-70E740481C1C}">
+                  <a14:useLocalDpi xmlns:a14="http://schemas.microsoft.com/office/drawing/2010/main" val="0"/>
+                </a:ext>
+              </a:extLst>
+            </a:blip>
+            <a:srcRect/>
+            <a:stretch>
+              <a:fillRect/>
+            </a:stretch>
+          </a:blipFill>
           <a:ln w="19050">
             <a:solidFill>
               <a:schemeClr val="tx1"/>
@@ -4230,14 +4363,11 @@
           <a:lstStyle/>
           <a:p>
             <a:pPr algn="ctr"/>
-            <a:r>
-              <a:rPr lang="en-US" sz="3600" dirty="0">
-                <a:solidFill>
-                  <a:schemeClr val="tx1"/>
-                </a:solidFill>
-              </a:rPr>
-              <a:t>SCA01</a:t>
-            </a:r>
+            <a:endParaRPr lang="en-US" sz="3600" dirty="0">
+              <a:solidFill>
+                <a:schemeClr val="tx1"/>
+              </a:solidFill>
+            </a:endParaRPr>
           </a:p>
         </p:txBody>
       </p:sp>
@@ -4257,13 +4387,18 @@
         </p:nvSpPr>
         <p:spPr>
           <a:xfrm>
-            <a:off x="6001828" y="4848046"/>
+            <a:off x="6003984" y="4908431"/>
             <a:ext cx="1371600" cy="1371600"/>
           </a:xfrm>
           <a:prstGeom prst="rect">
             <a:avLst/>
           </a:prstGeom>
-          <a:noFill/>
+          <a:blipFill>
+            <a:blip r:embed="rId17"/>
+            <a:stretch>
+              <a:fillRect/>
+            </a:stretch>
+          </a:blipFill>
           <a:ln w="19050">
             <a:solidFill>
               <a:schemeClr val="tx1"/>
@@ -4291,14 +4426,11 @@
           <a:lstStyle/>
           <a:p>
             <a:pPr algn="ctr"/>
-            <a:r>
-              <a:rPr lang="en-US" sz="3600" dirty="0">
-                <a:solidFill>
-                  <a:schemeClr val="tx1"/>
-                </a:solidFill>
-              </a:rPr>
-              <a:t>SCA12</a:t>
-            </a:r>
+            <a:endParaRPr lang="en-US" sz="3600" dirty="0">
+              <a:solidFill>
+                <a:schemeClr val="tx1"/>
+              </a:solidFill>
+            </a:endParaRPr>
           </a:p>
         </p:txBody>
       </p:sp>
@@ -4317,14 +4449,26 @@
           <p:nvPr/>
         </p:nvSpPr>
         <p:spPr>
-          <a:xfrm>
-            <a:off x="6001828" y="3413187"/>
+          <a:xfrm rot="10800000">
+            <a:off x="6003984" y="3473572"/>
             <a:ext cx="1371600" cy="1371600"/>
           </a:xfrm>
           <a:prstGeom prst="rect">
             <a:avLst/>
           </a:prstGeom>
-          <a:noFill/>
+          <a:blipFill dpi="0" rotWithShape="1">
+            <a:blip r:embed="rId18">
+              <a:extLst>
+                <a:ext uri="{28A0092B-C50C-407E-A947-70E740481C1C}">
+                  <a14:useLocalDpi xmlns:a14="http://schemas.microsoft.com/office/drawing/2010/main" val="0"/>
+                </a:ext>
+              </a:extLst>
+            </a:blip>
+            <a:srcRect/>
+            <a:stretch>
+              <a:fillRect/>
+            </a:stretch>
+          </a:blipFill>
           <a:ln w="19050">
             <a:solidFill>
               <a:schemeClr val="tx1"/>
@@ -4352,14 +4496,11 @@
           <a:lstStyle/>
           <a:p>
             <a:pPr algn="ctr"/>
-            <a:r>
-              <a:rPr lang="en-US" sz="3600" dirty="0">
-                <a:solidFill>
-                  <a:schemeClr val="tx1"/>
-                </a:solidFill>
-              </a:rPr>
-              <a:t>SCA11</a:t>
-            </a:r>
+            <a:endParaRPr lang="en-US" sz="3600" dirty="0">
+              <a:solidFill>
+                <a:schemeClr val="tx1"/>
+              </a:solidFill>
+            </a:endParaRPr>
           </a:p>
         </p:txBody>
       </p:sp>
@@ -4378,14 +4519,26 @@
           <p:nvPr/>
         </p:nvSpPr>
         <p:spPr>
-          <a:xfrm>
-            <a:off x="6001828" y="1893500"/>
+          <a:xfrm rot="10800000">
+            <a:off x="6003984" y="1953885"/>
             <a:ext cx="1371600" cy="1371600"/>
           </a:xfrm>
           <a:prstGeom prst="rect">
             <a:avLst/>
           </a:prstGeom>
-          <a:noFill/>
+          <a:blipFill dpi="0" rotWithShape="1">
+            <a:blip r:embed="rId19">
+              <a:extLst>
+                <a:ext uri="{28A0092B-C50C-407E-A947-70E740481C1C}">
+                  <a14:useLocalDpi xmlns:a14="http://schemas.microsoft.com/office/drawing/2010/main" val="0"/>
+                </a:ext>
+              </a:extLst>
+            </a:blip>
+            <a:srcRect/>
+            <a:stretch>
+              <a:fillRect/>
+            </a:stretch>
+          </a:blipFill>
           <a:ln w="19050">
             <a:solidFill>
               <a:schemeClr val="tx1"/>
@@ -4413,14 +4566,11 @@
           <a:lstStyle/>
           <a:p>
             <a:pPr algn="ctr"/>
-            <a:r>
-              <a:rPr lang="en-US" sz="3600" dirty="0">
-                <a:solidFill>
-                  <a:schemeClr val="tx1"/>
-                </a:solidFill>
-              </a:rPr>
-              <a:t>SCA10</a:t>
-            </a:r>
+            <a:endParaRPr lang="en-US" sz="3600" dirty="0">
+              <a:solidFill>
+                <a:schemeClr val="tx1"/>
+              </a:solidFill>
+            </a:endParaRPr>
           </a:p>
         </p:txBody>
       </p:sp>
@@ -4428,6 +4578,125 @@
     <p:extLst>
       <p:ext uri="{BB962C8B-B14F-4D97-AF65-F5344CB8AC3E}">
         <p14:creationId xmlns:p14="http://schemas.microsoft.com/office/powerpoint/2010/main" val="2119734342"/>
+      </p:ext>
+    </p:extLst>
+  </p:cSld>
+  <p:clrMapOvr>
+    <a:masterClrMapping/>
+  </p:clrMapOvr>
+</p:sld>
+</file>
+
+<file path=ppt/slides/slide2.xml><?xml version="1.0" encoding="utf-8"?>
+<p:sld xmlns:a="http://schemas.openxmlformats.org/drawingml/2006/main" xmlns:r="http://schemas.openxmlformats.org/officeDocument/2006/relationships" xmlns:p="http://schemas.openxmlformats.org/presentationml/2006/main">
+  <p:cSld>
+    <p:spTree>
+      <p:nvGrpSpPr>
+        <p:cNvPr id="1" name=""/>
+        <p:cNvGrpSpPr/>
+        <p:nvPr/>
+      </p:nvGrpSpPr>
+      <p:grpSpPr>
+        <a:xfrm>
+          <a:off x="0" y="0"/>
+          <a:ext cx="0" cy="0"/>
+          <a:chOff x="0" y="0"/>
+          <a:chExt cx="0" cy="0"/>
+        </a:xfrm>
+      </p:grpSpPr>
+      <p:pic>
+        <p:nvPicPr>
+          <p:cNvPr id="2" name="Picture 1">
+            <a:extLst>
+              <a:ext uri="{FF2B5EF4-FFF2-40B4-BE49-F238E27FC236}">
+                <a16:creationId xmlns:a16="http://schemas.microsoft.com/office/drawing/2014/main" id="{3A544872-F994-069E-5F6E-122AEE160CA9}"/>
+              </a:ext>
+            </a:extLst>
+          </p:cNvPr>
+          <p:cNvPicPr>
+            <a:picLocks noChangeAspect="1"/>
+          </p:cNvPicPr>
+          <p:nvPr/>
+        </p:nvPicPr>
+        <p:blipFill>
+          <a:blip r:embed="rId2"/>
+          <a:stretch>
+            <a:fillRect/>
+          </a:stretch>
+        </p:blipFill>
+        <p:spPr>
+          <a:xfrm>
+            <a:off x="525517" y="4619"/>
+            <a:ext cx="11140966" cy="6853381"/>
+          </a:xfrm>
+          <a:prstGeom prst="rect">
+            <a:avLst/>
+          </a:prstGeom>
+        </p:spPr>
+      </p:pic>
+    </p:spTree>
+    <p:extLst>
+      <p:ext uri="{BB962C8B-B14F-4D97-AF65-F5344CB8AC3E}">
+        <p14:creationId xmlns:p14="http://schemas.microsoft.com/office/powerpoint/2010/main" val="3364409871"/>
+      </p:ext>
+    </p:extLst>
+  </p:cSld>
+  <p:clrMapOvr>
+    <a:masterClrMapping/>
+  </p:clrMapOvr>
+</p:sld>
+</file>
+
+<file path=ppt/slides/slide3.xml><?xml version="1.0" encoding="utf-8"?>
+<p:sld xmlns:a="http://schemas.openxmlformats.org/drawingml/2006/main" xmlns:r="http://schemas.openxmlformats.org/officeDocument/2006/relationships" xmlns:p="http://schemas.openxmlformats.org/presentationml/2006/main">
+  <p:cSld>
+    <p:spTree>
+      <p:nvGrpSpPr>
+        <p:cNvPr id="1" name=""/>
+        <p:cNvGrpSpPr/>
+        <p:nvPr/>
+      </p:nvGrpSpPr>
+      <p:grpSpPr>
+        <a:xfrm>
+          <a:off x="0" y="0"/>
+          <a:ext cx="0" cy="0"/>
+          <a:chOff x="0" y="0"/>
+          <a:chExt cx="0" cy="0"/>
+        </a:xfrm>
+      </p:grpSpPr>
+      <p:pic>
+        <p:nvPicPr>
+          <p:cNvPr id="2" name="Picture 1">
+            <a:extLst>
+              <a:ext uri="{FF2B5EF4-FFF2-40B4-BE49-F238E27FC236}">
+                <a16:creationId xmlns:a16="http://schemas.microsoft.com/office/drawing/2014/main" id="{3A544872-F994-069E-5F6E-122AEE160CA9}"/>
+              </a:ext>
+            </a:extLst>
+          </p:cNvPr>
+          <p:cNvPicPr>
+            <a:picLocks noChangeAspect="1"/>
+          </p:cNvPicPr>
+          <p:nvPr/>
+        </p:nvPicPr>
+        <p:blipFill rotWithShape="1">
+          <a:blip r:embed="rId2"/>
+          <a:srcRect l="81382" t="45242" r="4610" b="31607"/>
+          <a:stretch/>
+        </p:blipFill>
+        <p:spPr>
+          <a:xfrm>
+            <a:off x="1026543" y="1440611"/>
+            <a:ext cx="1552755" cy="1578635"/>
+          </a:xfrm>
+          <a:prstGeom prst="rect">
+            <a:avLst/>
+          </a:prstGeom>
+        </p:spPr>
+      </p:pic>
+    </p:spTree>
+    <p:extLst>
+      <p:ext uri="{BB962C8B-B14F-4D97-AF65-F5344CB8AC3E}">
+        <p14:creationId xmlns:p14="http://schemas.microsoft.com/office/powerpoint/2010/main" val="2791158311"/>
       </p:ext>
     </p:extLst>
   </p:cSld>

--- a/paper/graphics/roman_fov.pptx
+++ b/paper/graphics/roman_fov.pptx
@@ -6,8 +6,6 @@
   </p:sldMasterIdLst>
   <p:sldIdLst>
     <p:sldId id="256" r:id="rId2"/>
-    <p:sldId id="257" r:id="rId3"/>
-    <p:sldId id="258" r:id="rId4"/>
   </p:sldIdLst>
   <p:sldSz cx="12192000" cy="6858000"/>
   <p:notesSz cx="6858000" cy="9144000"/>
@@ -261,7 +259,7 @@
           <a:p>
             <a:fld id="{0BABE5B4-7A23-8B46-A908-44B4384204E4}" type="datetimeFigureOut">
               <a:rPr lang="en-US" smtClean="0"/>
-              <a:t>3/18/24</a:t>
+              <a:t>3/21/2024</a:t>
             </a:fld>
             <a:endParaRPr lang="en-US"/>
           </a:p>
@@ -459,7 +457,7 @@
           <a:p>
             <a:fld id="{0BABE5B4-7A23-8B46-A908-44B4384204E4}" type="datetimeFigureOut">
               <a:rPr lang="en-US" smtClean="0"/>
-              <a:t>3/18/24</a:t>
+              <a:t>3/21/2024</a:t>
             </a:fld>
             <a:endParaRPr lang="en-US"/>
           </a:p>
@@ -667,7 +665,7 @@
           <a:p>
             <a:fld id="{0BABE5B4-7A23-8B46-A908-44B4384204E4}" type="datetimeFigureOut">
               <a:rPr lang="en-US" smtClean="0"/>
-              <a:t>3/18/24</a:t>
+              <a:t>3/21/2024</a:t>
             </a:fld>
             <a:endParaRPr lang="en-US"/>
           </a:p>
@@ -865,7 +863,7 @@
           <a:p>
             <a:fld id="{0BABE5B4-7A23-8B46-A908-44B4384204E4}" type="datetimeFigureOut">
               <a:rPr lang="en-US" smtClean="0"/>
-              <a:t>3/18/24</a:t>
+              <a:t>3/21/2024</a:t>
             </a:fld>
             <a:endParaRPr lang="en-US"/>
           </a:p>
@@ -1140,7 +1138,7 @@
           <a:p>
             <a:fld id="{0BABE5B4-7A23-8B46-A908-44B4384204E4}" type="datetimeFigureOut">
               <a:rPr lang="en-US" smtClean="0"/>
-              <a:t>3/18/24</a:t>
+              <a:t>3/21/2024</a:t>
             </a:fld>
             <a:endParaRPr lang="en-US"/>
           </a:p>
@@ -1405,7 +1403,7 @@
           <a:p>
             <a:fld id="{0BABE5B4-7A23-8B46-A908-44B4384204E4}" type="datetimeFigureOut">
               <a:rPr lang="en-US" smtClean="0"/>
-              <a:t>3/18/24</a:t>
+              <a:t>3/21/2024</a:t>
             </a:fld>
             <a:endParaRPr lang="en-US"/>
           </a:p>
@@ -1817,7 +1815,7 @@
           <a:p>
             <a:fld id="{0BABE5B4-7A23-8B46-A908-44B4384204E4}" type="datetimeFigureOut">
               <a:rPr lang="en-US" smtClean="0"/>
-              <a:t>3/18/24</a:t>
+              <a:t>3/21/2024</a:t>
             </a:fld>
             <a:endParaRPr lang="en-US"/>
           </a:p>
@@ -1958,7 +1956,7 @@
           <a:p>
             <a:fld id="{0BABE5B4-7A23-8B46-A908-44B4384204E4}" type="datetimeFigureOut">
               <a:rPr lang="en-US" smtClean="0"/>
-              <a:t>3/18/24</a:t>
+              <a:t>3/21/2024</a:t>
             </a:fld>
             <a:endParaRPr lang="en-US"/>
           </a:p>
@@ -2071,7 +2069,7 @@
           <a:p>
             <a:fld id="{0BABE5B4-7A23-8B46-A908-44B4384204E4}" type="datetimeFigureOut">
               <a:rPr lang="en-US" smtClean="0"/>
-              <a:t>3/18/24</a:t>
+              <a:t>3/21/2024</a:t>
             </a:fld>
             <a:endParaRPr lang="en-US"/>
           </a:p>
@@ -2382,7 +2380,7 @@
           <a:p>
             <a:fld id="{0BABE5B4-7A23-8B46-A908-44B4384204E4}" type="datetimeFigureOut">
               <a:rPr lang="en-US" smtClean="0"/>
-              <a:t>3/18/24</a:t>
+              <a:t>3/21/2024</a:t>
             </a:fld>
             <a:endParaRPr lang="en-US"/>
           </a:p>
@@ -2670,7 +2668,7 @@
           <a:p>
             <a:fld id="{0BABE5B4-7A23-8B46-A908-44B4384204E4}" type="datetimeFigureOut">
               <a:rPr lang="en-US" smtClean="0"/>
-              <a:t>3/18/24</a:t>
+              <a:t>3/21/2024</a:t>
             </a:fld>
             <a:endParaRPr lang="en-US"/>
           </a:p>
@@ -2911,7 +2909,7 @@
           <a:p>
             <a:fld id="{0BABE5B4-7A23-8B46-A908-44B4384204E4}" type="datetimeFigureOut">
               <a:rPr lang="en-US" smtClean="0"/>
-              <a:t>3/18/24</a:t>
+              <a:t>3/21/2024</a:t>
             </a:fld>
             <a:endParaRPr lang="en-US"/>
           </a:p>
@@ -3353,6 +3351,15 @@
           <a:blipFill dpi="0" rotWithShape="1">
             <a:blip r:embed="rId2">
               <a:extLst>
+                <a:ext uri="{BEBA8EAE-BF5A-486C-A8C5-ECC9F3942E4B}">
+                  <a14:imgProps xmlns:a14="http://schemas.microsoft.com/office/drawing/2010/main">
+                    <a14:imgLayer r:embed="rId3">
+                      <a14:imgEffect>
+                        <a14:backgroundRemoval t="10000" b="90000" l="10000" r="90000"/>
+                      </a14:imgEffect>
+                    </a14:imgLayer>
+                  </a14:imgProps>
+                </a:ext>
                 <a:ext uri="{28A0092B-C50C-407E-A947-70E740481C1C}">
                   <a14:useLocalDpi xmlns:a14="http://schemas.microsoft.com/office/drawing/2010/main" val="0"/>
                 </a:ext>
@@ -3421,8 +3428,17 @@
             <a:avLst/>
           </a:prstGeom>
           <a:blipFill dpi="0" rotWithShape="1">
-            <a:blip r:embed="rId3">
+            <a:blip r:embed="rId4">
               <a:extLst>
+                <a:ext uri="{BEBA8EAE-BF5A-486C-A8C5-ECC9F3942E4B}">
+                  <a14:imgProps xmlns:a14="http://schemas.microsoft.com/office/drawing/2010/main">
+                    <a14:imgLayer r:embed="rId5">
+                      <a14:imgEffect>
+                        <a14:backgroundRemoval t="10000" b="90000" l="10000" r="90000"/>
+                      </a14:imgEffect>
+                    </a14:imgLayer>
+                  </a14:imgProps>
+                </a:ext>
                 <a:ext uri="{28A0092B-C50C-407E-A947-70E740481C1C}">
                   <a14:useLocalDpi xmlns:a14="http://schemas.microsoft.com/office/drawing/2010/main" val="0"/>
                 </a:ext>
@@ -3493,6 +3509,15 @@
           <a:blipFill dpi="0" rotWithShape="1">
             <a:blip r:embed="rId4">
               <a:extLst>
+                <a:ext uri="{BEBA8EAE-BF5A-486C-A8C5-ECC9F3942E4B}">
+                  <a14:imgProps xmlns:a14="http://schemas.microsoft.com/office/drawing/2010/main">
+                    <a14:imgLayer r:embed="rId6">
+                      <a14:imgEffect>
+                        <a14:backgroundRemoval t="10000" b="90000" l="10000" r="90000"/>
+                      </a14:imgEffect>
+                    </a14:imgLayer>
+                  </a14:imgProps>
+                </a:ext>
                 <a:ext uri="{28A0092B-C50C-407E-A947-70E740481C1C}">
                   <a14:useLocalDpi xmlns:a14="http://schemas.microsoft.com/office/drawing/2010/main" val="0"/>
                 </a:ext>
@@ -3561,8 +3586,17 @@
             <a:avLst/>
           </a:prstGeom>
           <a:blipFill dpi="0" rotWithShape="1">
-            <a:blip r:embed="rId5">
+            <a:blip r:embed="rId4">
               <a:extLst>
+                <a:ext uri="{BEBA8EAE-BF5A-486C-A8C5-ECC9F3942E4B}">
+                  <a14:imgProps xmlns:a14="http://schemas.microsoft.com/office/drawing/2010/main">
+                    <a14:imgLayer r:embed="rId7">
+                      <a14:imgEffect>
+                        <a14:backgroundRemoval t="10000" b="90000" l="10000" r="90000"/>
+                      </a14:imgEffect>
+                    </a14:imgLayer>
+                  </a14:imgProps>
+                </a:ext>
                 <a:ext uri="{28A0092B-C50C-407E-A947-70E740481C1C}">
                   <a14:useLocalDpi xmlns:a14="http://schemas.microsoft.com/office/drawing/2010/main" val="0"/>
                 </a:ext>
@@ -3631,8 +3665,17 @@
             <a:avLst/>
           </a:prstGeom>
           <a:blipFill dpi="0" rotWithShape="1">
-            <a:blip r:embed="rId6">
+            <a:blip r:embed="rId8">
               <a:extLst>
+                <a:ext uri="{BEBA8EAE-BF5A-486C-A8C5-ECC9F3942E4B}">
+                  <a14:imgProps xmlns:a14="http://schemas.microsoft.com/office/drawing/2010/main">
+                    <a14:imgLayer r:embed="rId9">
+                      <a14:imgEffect>
+                        <a14:backgroundRemoval t="10000" b="90000" l="10000" r="90000"/>
+                      </a14:imgEffect>
+                    </a14:imgLayer>
+                  </a14:imgProps>
+                </a:ext>
                 <a:ext uri="{28A0092B-C50C-407E-A947-70E740481C1C}">
                   <a14:useLocalDpi xmlns:a14="http://schemas.microsoft.com/office/drawing/2010/main" val="0"/>
                 </a:ext>
@@ -3701,8 +3744,17 @@
             <a:avLst/>
           </a:prstGeom>
           <a:blipFill dpi="0" rotWithShape="1">
-            <a:blip r:embed="rId7">
+            <a:blip r:embed="rId8">
               <a:extLst>
+                <a:ext uri="{BEBA8EAE-BF5A-486C-A8C5-ECC9F3942E4B}">
+                  <a14:imgProps xmlns:a14="http://schemas.microsoft.com/office/drawing/2010/main">
+                    <a14:imgLayer r:embed="rId10">
+                      <a14:imgEffect>
+                        <a14:backgroundRemoval t="10000" b="90000" l="10000" r="90000"/>
+                      </a14:imgEffect>
+                    </a14:imgLayer>
+                  </a14:imgProps>
+                </a:ext>
                 <a:ext uri="{28A0092B-C50C-407E-A947-70E740481C1C}">
                   <a14:useLocalDpi xmlns:a14="http://schemas.microsoft.com/office/drawing/2010/main" val="0"/>
                 </a:ext>
@@ -3771,7 +3823,19 @@
             <a:avLst/>
           </a:prstGeom>
           <a:blipFill>
-            <a:blip r:embed="rId8"/>
+            <a:blip r:embed="rId11">
+              <a:extLst>
+                <a:ext uri="{BEBA8EAE-BF5A-486C-A8C5-ECC9F3942E4B}">
+                  <a14:imgProps xmlns:a14="http://schemas.microsoft.com/office/drawing/2010/main">
+                    <a14:imgLayer r:embed="rId12">
+                      <a14:imgEffect>
+                        <a14:backgroundRemoval t="10000" b="90000" l="10000" r="90000"/>
+                      </a14:imgEffect>
+                    </a14:imgLayer>
+                  </a14:imgProps>
+                </a:ext>
+              </a:extLst>
+            </a:blip>
             <a:stretch>
               <a:fillRect/>
             </a:stretch>
@@ -3834,8 +3898,17 @@
             <a:avLst/>
           </a:prstGeom>
           <a:blipFill dpi="0" rotWithShape="1">
-            <a:blip r:embed="rId9">
+            <a:blip r:embed="rId11">
               <a:extLst>
+                <a:ext uri="{BEBA8EAE-BF5A-486C-A8C5-ECC9F3942E4B}">
+                  <a14:imgProps xmlns:a14="http://schemas.microsoft.com/office/drawing/2010/main">
+                    <a14:imgLayer r:embed="rId13">
+                      <a14:imgEffect>
+                        <a14:backgroundRemoval t="10000" b="90000" l="10000" r="90000"/>
+                      </a14:imgEffect>
+                    </a14:imgLayer>
+                  </a14:imgProps>
+                </a:ext>
                 <a:ext uri="{28A0092B-C50C-407E-A947-70E740481C1C}">
                   <a14:useLocalDpi xmlns:a14="http://schemas.microsoft.com/office/drawing/2010/main" val="0"/>
                 </a:ext>
@@ -3904,8 +3977,17 @@
             <a:avLst/>
           </a:prstGeom>
           <a:blipFill dpi="0" rotWithShape="1">
-            <a:blip r:embed="rId10">
+            <a:blip r:embed="rId11">
               <a:extLst>
+                <a:ext uri="{BEBA8EAE-BF5A-486C-A8C5-ECC9F3942E4B}">
+                  <a14:imgProps xmlns:a14="http://schemas.microsoft.com/office/drawing/2010/main">
+                    <a14:imgLayer r:embed="rId14">
+                      <a14:imgEffect>
+                        <a14:backgroundRemoval t="10000" b="90000" l="10000" r="90000"/>
+                      </a14:imgEffect>
+                    </a14:imgLayer>
+                  </a14:imgProps>
+                </a:ext>
                 <a:ext uri="{28A0092B-C50C-407E-A947-70E740481C1C}">
                   <a14:useLocalDpi xmlns:a14="http://schemas.microsoft.com/office/drawing/2010/main" val="0"/>
                 </a:ext>
@@ -3976,6 +4058,15 @@
           <a:blipFill dpi="0" rotWithShape="1">
             <a:blip r:embed="rId11">
               <a:extLst>
+                <a:ext uri="{BEBA8EAE-BF5A-486C-A8C5-ECC9F3942E4B}">
+                  <a14:imgProps xmlns:a14="http://schemas.microsoft.com/office/drawing/2010/main">
+                    <a14:imgLayer r:embed="rId15">
+                      <a14:imgEffect>
+                        <a14:backgroundRemoval t="10000" b="90000" l="10000" r="90000"/>
+                      </a14:imgEffect>
+                    </a14:imgLayer>
+                  </a14:imgProps>
+                </a:ext>
                 <a:ext uri="{28A0092B-C50C-407E-A947-70E740481C1C}">
                   <a14:useLocalDpi xmlns:a14="http://schemas.microsoft.com/office/drawing/2010/main" val="0"/>
                 </a:ext>
@@ -4044,8 +4135,17 @@
             <a:avLst/>
           </a:prstGeom>
           <a:blipFill dpi="0" rotWithShape="1">
-            <a:blip r:embed="rId12">
+            <a:blip r:embed="rId11">
               <a:extLst>
+                <a:ext uri="{BEBA8EAE-BF5A-486C-A8C5-ECC9F3942E4B}">
+                  <a14:imgProps xmlns:a14="http://schemas.microsoft.com/office/drawing/2010/main">
+                    <a14:imgLayer r:embed="rId16">
+                      <a14:imgEffect>
+                        <a14:backgroundRemoval t="10000" b="90000" l="10000" r="90000"/>
+                      </a14:imgEffect>
+                    </a14:imgLayer>
+                  </a14:imgProps>
+                </a:ext>
                 <a:ext uri="{28A0092B-C50C-407E-A947-70E740481C1C}">
                   <a14:useLocalDpi xmlns:a14="http://schemas.microsoft.com/office/drawing/2010/main" val="0"/>
                 </a:ext>
@@ -4114,8 +4214,17 @@
             <a:avLst/>
           </a:prstGeom>
           <a:blipFill dpi="0" rotWithShape="1">
-            <a:blip r:embed="rId13">
+            <a:blip r:embed="rId11">
               <a:extLst>
+                <a:ext uri="{BEBA8EAE-BF5A-486C-A8C5-ECC9F3942E4B}">
+                  <a14:imgProps xmlns:a14="http://schemas.microsoft.com/office/drawing/2010/main">
+                    <a14:imgLayer r:embed="rId17">
+                      <a14:imgEffect>
+                        <a14:backgroundRemoval t="10000" b="90000" l="10000" r="90000"/>
+                      </a14:imgEffect>
+                    </a14:imgLayer>
+                  </a14:imgProps>
+                </a:ext>
                 <a:ext uri="{28A0092B-C50C-407E-A947-70E740481C1C}">
                   <a14:useLocalDpi xmlns:a14="http://schemas.microsoft.com/office/drawing/2010/main" val="0"/>
                 </a:ext>
@@ -4184,8 +4293,17 @@
             <a:avLst/>
           </a:prstGeom>
           <a:blipFill dpi="0" rotWithShape="1">
-            <a:blip r:embed="rId14">
+            <a:blip r:embed="rId11">
               <a:extLst>
+                <a:ext uri="{BEBA8EAE-BF5A-486C-A8C5-ECC9F3942E4B}">
+                  <a14:imgProps xmlns:a14="http://schemas.microsoft.com/office/drawing/2010/main">
+                    <a14:imgLayer r:embed="rId18">
+                      <a14:imgEffect>
+                        <a14:backgroundRemoval t="10000" b="90000" l="10000" r="90000"/>
+                      </a14:imgEffect>
+                    </a14:imgLayer>
+                  </a14:imgProps>
+                </a:ext>
                 <a:ext uri="{28A0092B-C50C-407E-A947-70E740481C1C}">
                   <a14:useLocalDpi xmlns:a14="http://schemas.microsoft.com/office/drawing/2010/main" val="0"/>
                 </a:ext>
@@ -4254,8 +4372,17 @@
             <a:avLst/>
           </a:prstGeom>
           <a:blipFill dpi="0" rotWithShape="1">
-            <a:blip r:embed="rId15">
+            <a:blip r:embed="rId11">
               <a:extLst>
+                <a:ext uri="{BEBA8EAE-BF5A-486C-A8C5-ECC9F3942E4B}">
+                  <a14:imgProps xmlns:a14="http://schemas.microsoft.com/office/drawing/2010/main">
+                    <a14:imgLayer r:embed="rId19">
+                      <a14:imgEffect>
+                        <a14:backgroundRemoval t="10000" b="90000" l="10000" r="90000"/>
+                      </a14:imgEffect>
+                    </a14:imgLayer>
+                  </a14:imgProps>
+                </a:ext>
                 <a:ext uri="{28A0092B-C50C-407E-A947-70E740481C1C}">
                   <a14:useLocalDpi xmlns:a14="http://schemas.microsoft.com/office/drawing/2010/main" val="0"/>
                 </a:ext>
@@ -4324,8 +4451,17 @@
             <a:avLst/>
           </a:prstGeom>
           <a:blipFill dpi="0" rotWithShape="1">
-            <a:blip r:embed="rId16">
+            <a:blip r:embed="rId11">
               <a:extLst>
+                <a:ext uri="{BEBA8EAE-BF5A-486C-A8C5-ECC9F3942E4B}">
+                  <a14:imgProps xmlns:a14="http://schemas.microsoft.com/office/drawing/2010/main">
+                    <a14:imgLayer r:embed="rId20">
+                      <a14:imgEffect>
+                        <a14:backgroundRemoval t="10000" b="90000" l="10000" r="90000"/>
+                      </a14:imgEffect>
+                    </a14:imgLayer>
+                  </a14:imgProps>
+                </a:ext>
                 <a:ext uri="{28A0092B-C50C-407E-A947-70E740481C1C}">
                   <a14:useLocalDpi xmlns:a14="http://schemas.microsoft.com/office/drawing/2010/main" val="0"/>
                 </a:ext>
@@ -4394,7 +4530,19 @@
             <a:avLst/>
           </a:prstGeom>
           <a:blipFill>
-            <a:blip r:embed="rId17"/>
+            <a:blip r:embed="rId11">
+              <a:extLst>
+                <a:ext uri="{BEBA8EAE-BF5A-486C-A8C5-ECC9F3942E4B}">
+                  <a14:imgProps xmlns:a14="http://schemas.microsoft.com/office/drawing/2010/main">
+                    <a14:imgLayer r:embed="rId21">
+                      <a14:imgEffect>
+                        <a14:backgroundRemoval t="10000" b="90000" l="10000" r="90000"/>
+                      </a14:imgEffect>
+                    </a14:imgLayer>
+                  </a14:imgProps>
+                </a:ext>
+              </a:extLst>
+            </a:blip>
             <a:stretch>
               <a:fillRect/>
             </a:stretch>
@@ -4457,8 +4605,17 @@
             <a:avLst/>
           </a:prstGeom>
           <a:blipFill dpi="0" rotWithShape="1">
-            <a:blip r:embed="rId18">
+            <a:blip r:embed="rId11">
               <a:extLst>
+                <a:ext uri="{BEBA8EAE-BF5A-486C-A8C5-ECC9F3942E4B}">
+                  <a14:imgProps xmlns:a14="http://schemas.microsoft.com/office/drawing/2010/main">
+                    <a14:imgLayer r:embed="rId22">
+                      <a14:imgEffect>
+                        <a14:backgroundRemoval t="10000" b="90000" l="10000" r="90000"/>
+                      </a14:imgEffect>
+                    </a14:imgLayer>
+                  </a14:imgProps>
+                </a:ext>
                 <a:ext uri="{28A0092B-C50C-407E-A947-70E740481C1C}">
                   <a14:useLocalDpi xmlns:a14="http://schemas.microsoft.com/office/drawing/2010/main" val="0"/>
                 </a:ext>
@@ -4527,8 +4684,17 @@
             <a:avLst/>
           </a:prstGeom>
           <a:blipFill dpi="0" rotWithShape="1">
-            <a:blip r:embed="rId19">
+            <a:blip r:embed="rId11">
               <a:extLst>
+                <a:ext uri="{BEBA8EAE-BF5A-486C-A8C5-ECC9F3942E4B}">
+                  <a14:imgProps xmlns:a14="http://schemas.microsoft.com/office/drawing/2010/main">
+                    <a14:imgLayer r:embed="rId23">
+                      <a14:imgEffect>
+                        <a14:backgroundRemoval t="10000" b="90000" l="10000" r="90000"/>
+                      </a14:imgEffect>
+                    </a14:imgLayer>
+                  </a14:imgProps>
+                </a:ext>
                 <a:ext uri="{28A0092B-C50C-407E-A947-70E740481C1C}">
                   <a14:useLocalDpi xmlns:a14="http://schemas.microsoft.com/office/drawing/2010/main" val="0"/>
                 </a:ext>
@@ -4578,125 +4744,6 @@
     <p:extLst>
       <p:ext uri="{BB962C8B-B14F-4D97-AF65-F5344CB8AC3E}">
         <p14:creationId xmlns:p14="http://schemas.microsoft.com/office/powerpoint/2010/main" val="2119734342"/>
-      </p:ext>
-    </p:extLst>
-  </p:cSld>
-  <p:clrMapOvr>
-    <a:masterClrMapping/>
-  </p:clrMapOvr>
-</p:sld>
-</file>
-
-<file path=ppt/slides/slide2.xml><?xml version="1.0" encoding="utf-8"?>
-<p:sld xmlns:a="http://schemas.openxmlformats.org/drawingml/2006/main" xmlns:r="http://schemas.openxmlformats.org/officeDocument/2006/relationships" xmlns:p="http://schemas.openxmlformats.org/presentationml/2006/main">
-  <p:cSld>
-    <p:spTree>
-      <p:nvGrpSpPr>
-        <p:cNvPr id="1" name=""/>
-        <p:cNvGrpSpPr/>
-        <p:nvPr/>
-      </p:nvGrpSpPr>
-      <p:grpSpPr>
-        <a:xfrm>
-          <a:off x="0" y="0"/>
-          <a:ext cx="0" cy="0"/>
-          <a:chOff x="0" y="0"/>
-          <a:chExt cx="0" cy="0"/>
-        </a:xfrm>
-      </p:grpSpPr>
-      <p:pic>
-        <p:nvPicPr>
-          <p:cNvPr id="2" name="Picture 1">
-            <a:extLst>
-              <a:ext uri="{FF2B5EF4-FFF2-40B4-BE49-F238E27FC236}">
-                <a16:creationId xmlns:a16="http://schemas.microsoft.com/office/drawing/2014/main" id="{3A544872-F994-069E-5F6E-122AEE160CA9}"/>
-              </a:ext>
-            </a:extLst>
-          </p:cNvPr>
-          <p:cNvPicPr>
-            <a:picLocks noChangeAspect="1"/>
-          </p:cNvPicPr>
-          <p:nvPr/>
-        </p:nvPicPr>
-        <p:blipFill>
-          <a:blip r:embed="rId2"/>
-          <a:stretch>
-            <a:fillRect/>
-          </a:stretch>
-        </p:blipFill>
-        <p:spPr>
-          <a:xfrm>
-            <a:off x="525517" y="4619"/>
-            <a:ext cx="11140966" cy="6853381"/>
-          </a:xfrm>
-          <a:prstGeom prst="rect">
-            <a:avLst/>
-          </a:prstGeom>
-        </p:spPr>
-      </p:pic>
-    </p:spTree>
-    <p:extLst>
-      <p:ext uri="{BB962C8B-B14F-4D97-AF65-F5344CB8AC3E}">
-        <p14:creationId xmlns:p14="http://schemas.microsoft.com/office/powerpoint/2010/main" val="3364409871"/>
-      </p:ext>
-    </p:extLst>
-  </p:cSld>
-  <p:clrMapOvr>
-    <a:masterClrMapping/>
-  </p:clrMapOvr>
-</p:sld>
-</file>
-
-<file path=ppt/slides/slide3.xml><?xml version="1.0" encoding="utf-8"?>
-<p:sld xmlns:a="http://schemas.openxmlformats.org/drawingml/2006/main" xmlns:r="http://schemas.openxmlformats.org/officeDocument/2006/relationships" xmlns:p="http://schemas.openxmlformats.org/presentationml/2006/main">
-  <p:cSld>
-    <p:spTree>
-      <p:nvGrpSpPr>
-        <p:cNvPr id="1" name=""/>
-        <p:cNvGrpSpPr/>
-        <p:nvPr/>
-      </p:nvGrpSpPr>
-      <p:grpSpPr>
-        <a:xfrm>
-          <a:off x="0" y="0"/>
-          <a:ext cx="0" cy="0"/>
-          <a:chOff x="0" y="0"/>
-          <a:chExt cx="0" cy="0"/>
-        </a:xfrm>
-      </p:grpSpPr>
-      <p:pic>
-        <p:nvPicPr>
-          <p:cNvPr id="2" name="Picture 1">
-            <a:extLst>
-              <a:ext uri="{FF2B5EF4-FFF2-40B4-BE49-F238E27FC236}">
-                <a16:creationId xmlns:a16="http://schemas.microsoft.com/office/drawing/2014/main" id="{3A544872-F994-069E-5F6E-122AEE160CA9}"/>
-              </a:ext>
-            </a:extLst>
-          </p:cNvPr>
-          <p:cNvPicPr>
-            <a:picLocks noChangeAspect="1"/>
-          </p:cNvPicPr>
-          <p:nvPr/>
-        </p:nvPicPr>
-        <p:blipFill rotWithShape="1">
-          <a:blip r:embed="rId2"/>
-          <a:srcRect l="81382" t="45242" r="4610" b="31607"/>
-          <a:stretch/>
-        </p:blipFill>
-        <p:spPr>
-          <a:xfrm>
-            <a:off x="1026543" y="1440611"/>
-            <a:ext cx="1552755" cy="1578635"/>
-          </a:xfrm>
-          <a:prstGeom prst="rect">
-            <a:avLst/>
-          </a:prstGeom>
-        </p:spPr>
-      </p:pic>
-    </p:spTree>
-    <p:extLst>
-      <p:ext uri="{BB962C8B-B14F-4D97-AF65-F5344CB8AC3E}">
-        <p14:creationId xmlns:p14="http://schemas.microsoft.com/office/powerpoint/2010/main" val="2791158311"/>
       </p:ext>
     </p:extLst>
   </p:cSld>
